--- a/course/day05-20201024/05第五节：手撕GO语言.pptx
+++ b/course/day05-20201024/05第五节：手撕GO语言.pptx
@@ -631,7 +631,7 @@
             <a:fld id="{4D2C7CC7-EA73-4A76-879D-6BD4A239FD28}" type="datetimeFigureOut">
               <a:rPr lang="zh-CN" altLang="en-US" smtClean="0"/>
               <a:pPr/>
-              <a:t>2020/10/24</a:t>
+              <a:t>2020/10/31</a:t>
             </a:fld>
             <a:endParaRPr lang="zh-CN" altLang="en-US"/>
           </a:p>
@@ -798,7 +798,7 @@
             <a:fld id="{0BA62AD4-1182-4AB8-87B8-9386B7E1FBBA}" type="datetimeFigureOut">
               <a:rPr lang="zh-CN" altLang="en-US" smtClean="0"/>
               <a:pPr/>
-              <a:t>2020/10/24</a:t>
+              <a:t>2020/10/31</a:t>
             </a:fld>
             <a:endParaRPr lang="zh-CN" altLang="en-US"/>
           </a:p>
@@ -1843,7 +1843,7 @@
             <a:fld id="{82F288E0-7875-42C4-84C8-98DBBD3BF4D2}" type="datetimeFigureOut">
               <a:rPr lang="zh-CN" altLang="en-US"/>
               <a:pPr/>
-              <a:t>2020/10/24</a:t>
+              <a:t>2020/10/31</a:t>
             </a:fld>
             <a:endParaRPr lang="zh-CN" altLang="en-US"/>
           </a:p>
